--- a/Presentations/template.pptx
+++ b/Presentations/template.pptx
@@ -166,6 +166,35 @@
 </p:cmAuthorLst>
 </file>
 
+<file path=ppt/changesInfos/changesInfo1.xml><?xml version="1.0" encoding="utf-8"?>
+<pc:chgInfo xmlns:a="http://schemas.openxmlformats.org/drawingml/2006/main" xmlns:r="http://schemas.openxmlformats.org/officeDocument/2006/relationships" xmlns:ac="http://schemas.microsoft.com/office/drawing/2013/main/command" xmlns:pc="http://schemas.microsoft.com/office/powerpoint/2013/main/command">
+  <pc:docChgLst>
+    <pc:chgData name="ANDREW BROWN" userId="d39c22c0-0d5a-4269-9719-f756ff115e3f" providerId="ADAL" clId="{69CDE4A8-AC2C-4E4C-A8F7-0FDC3A5125C9}"/>
+    <pc:docChg chg="modSld">
+      <pc:chgData name="ANDREW BROWN" userId="d39c22c0-0d5a-4269-9719-f756ff115e3f" providerId="ADAL" clId="{69CDE4A8-AC2C-4E4C-A8F7-0FDC3A5125C9}" dt="2020-10-19T07:56:44.876" v="16" actId="20577"/>
+      <pc:docMkLst>
+        <pc:docMk/>
+      </pc:docMkLst>
+      <pc:sldChg chg="modSp mod">
+        <pc:chgData name="ANDREW BROWN" userId="d39c22c0-0d5a-4269-9719-f756ff115e3f" providerId="ADAL" clId="{69CDE4A8-AC2C-4E4C-A8F7-0FDC3A5125C9}" dt="2020-10-19T07:56:44.876" v="16" actId="20577"/>
+        <pc:sldMkLst>
+          <pc:docMk/>
+          <pc:sldMk cId="45780285" sldId="334"/>
+        </pc:sldMkLst>
+        <pc:spChg chg="mod">
+          <ac:chgData name="ANDREW BROWN" userId="d39c22c0-0d5a-4269-9719-f756ff115e3f" providerId="ADAL" clId="{69CDE4A8-AC2C-4E4C-A8F7-0FDC3A5125C9}" dt="2020-10-19T07:56:44.876" v="16" actId="20577"/>
+          <ac:spMkLst>
+            <pc:docMk/>
+            <pc:sldMk cId="45780285" sldId="334"/>
+            <ac:spMk id="2" creationId="{2529F8D3-8836-43D7-A068-9AA57AE33923}"/>
+          </ac:spMkLst>
+        </pc:spChg>
+      </pc:sldChg>
+    </pc:docChg>
+  </pc:docChgLst>
+</pc:chgInfo>
+</file>
+
 <file path=ppt/notesMasters/notesMaster1.xml><?xml version="1.0" encoding="utf-8"?>
 <p:notesMaster xmlns:a="http://schemas.openxmlformats.org/drawingml/2006/main" xmlns:r="http://schemas.openxmlformats.org/officeDocument/2006/relationships" xmlns:p="http://schemas.openxmlformats.org/presentationml/2006/main">
   <p:cSld>
@@ -248,7 +277,7 @@
           <a:p>
             <a:fld id="{AF101CDA-A163-4F5B-B089-11EC62B937FF}" type="datetimeFigureOut">
               <a:rPr lang="en-GB" smtClean="0"/>
-              <a:t>12/10/2020</a:t>
+              <a:t>19/10/2020</a:t>
             </a:fld>
             <a:endParaRPr lang="en-GB" dirty="0"/>
           </a:p>
@@ -856,7 +885,7 @@
           <a:p>
             <a:fld id="{BFEE84F8-2195-4EC4-AC2B-25C471B20600}" type="datetimeFigureOut">
               <a:rPr lang="en-GB" smtClean="0"/>
-              <a:t>12/10/2020</a:t>
+              <a:t>19/10/2020</a:t>
             </a:fld>
             <a:endParaRPr lang="en-GB" dirty="0"/>
           </a:p>
@@ -1878,7 +1907,7 @@
           <a:p>
             <a:fld id="{BFEE84F8-2195-4EC4-AC2B-25C471B20600}" type="datetimeFigureOut">
               <a:rPr lang="en-GB" smtClean="0"/>
-              <a:t>12/10/2020</a:t>
+              <a:t>19/10/2020</a:t>
             </a:fld>
             <a:endParaRPr lang="en-GB" dirty="0"/>
           </a:p>
@@ -2865,7 +2894,7 @@
           <a:p>
             <a:fld id="{BFEE84F8-2195-4EC4-AC2B-25C471B20600}" type="datetimeFigureOut">
               <a:rPr lang="en-GB" smtClean="0"/>
-              <a:t>12/10/2020</a:t>
+              <a:t>19/10/2020</a:t>
             </a:fld>
             <a:endParaRPr lang="en-GB" dirty="0"/>
           </a:p>
@@ -3939,7 +3968,7 @@
           <a:p>
             <a:fld id="{BFEE84F8-2195-4EC4-AC2B-25C471B20600}" type="datetimeFigureOut">
               <a:rPr lang="en-GB" smtClean="0"/>
-              <a:t>12/10/2020</a:t>
+              <a:t>19/10/2020</a:t>
             </a:fld>
             <a:endParaRPr lang="en-GB" dirty="0"/>
           </a:p>
@@ -4986,7 +5015,7 @@
           <a:p>
             <a:fld id="{BFEE84F8-2195-4EC4-AC2B-25C471B20600}" type="datetimeFigureOut">
               <a:rPr lang="en-GB" smtClean="0"/>
-              <a:t>12/10/2020</a:t>
+              <a:t>19/10/2020</a:t>
             </a:fld>
             <a:endParaRPr lang="en-GB" dirty="0"/>
           </a:p>
@@ -5653,7 +5682,7 @@
           <a:p>
             <a:fld id="{BFEE84F8-2195-4EC4-AC2B-25C471B20600}" type="datetimeFigureOut">
               <a:rPr lang="en-GB" smtClean="0"/>
-              <a:t>12/10/2020</a:t>
+              <a:t>19/10/2020</a:t>
             </a:fld>
             <a:endParaRPr lang="en-GB" dirty="0"/>
           </a:p>
@@ -6518,7 +6547,7 @@
           <a:p>
             <a:fld id="{BFEE84F8-2195-4EC4-AC2B-25C471B20600}" type="datetimeFigureOut">
               <a:rPr lang="en-GB" smtClean="0"/>
-              <a:t>12/10/2020</a:t>
+              <a:t>19/10/2020</a:t>
             </a:fld>
             <a:endParaRPr lang="en-GB" dirty="0"/>
           </a:p>
@@ -6714,7 +6743,7 @@
           <a:p>
             <a:fld id="{BFEE84F8-2195-4EC4-AC2B-25C471B20600}" type="datetimeFigureOut">
               <a:rPr lang="en-GB" smtClean="0"/>
-              <a:t>12/10/2020</a:t>
+              <a:t>19/10/2020</a:t>
             </a:fld>
             <a:endParaRPr lang="en-GB" dirty="0"/>
           </a:p>
@@ -7692,7 +7721,7 @@
           <a:p>
             <a:fld id="{BFEE84F8-2195-4EC4-AC2B-25C471B20600}" type="datetimeFigureOut">
               <a:rPr lang="en-GB" smtClean="0"/>
-              <a:t>12/10/2020</a:t>
+              <a:t>19/10/2020</a:t>
             </a:fld>
             <a:endParaRPr lang="en-GB" dirty="0"/>
           </a:p>
@@ -7914,7 +7943,7 @@
           <a:p>
             <a:fld id="{BFEE84F8-2195-4EC4-AC2B-25C471B20600}" type="datetimeFigureOut">
               <a:rPr lang="en-GB" smtClean="0"/>
-              <a:t>12/10/2020</a:t>
+              <a:t>19/10/2020</a:t>
             </a:fld>
             <a:endParaRPr lang="en-GB" dirty="0"/>
           </a:p>
@@ -8924,7 +8953,7 @@
           <a:p>
             <a:fld id="{BFEE84F8-2195-4EC4-AC2B-25C471B20600}" type="datetimeFigureOut">
               <a:rPr lang="en-GB" smtClean="0"/>
-              <a:t>12/10/2020</a:t>
+              <a:t>19/10/2020</a:t>
             </a:fld>
             <a:endParaRPr lang="en-GB" dirty="0"/>
           </a:p>
@@ -9165,7 +9194,7 @@
           <a:p>
             <a:fld id="{BFEE84F8-2195-4EC4-AC2B-25C471B20600}" type="datetimeFigureOut">
               <a:rPr lang="en-GB" smtClean="0"/>
-              <a:t>12/10/2020</a:t>
+              <a:t>19/10/2020</a:t>
             </a:fld>
             <a:endParaRPr lang="en-GB" dirty="0"/>
           </a:p>
@@ -9580,7 +9609,7 @@
           <a:p>
             <a:fld id="{BFEE84F8-2195-4EC4-AC2B-25C471B20600}" type="datetimeFigureOut">
               <a:rPr lang="en-GB" smtClean="0"/>
-              <a:t>12/10/2020</a:t>
+              <a:t>19/10/2020</a:t>
             </a:fld>
             <a:endParaRPr lang="en-GB" dirty="0"/>
           </a:p>
@@ -9714,7 +9743,7 @@
           <a:p>
             <a:fld id="{BFEE84F8-2195-4EC4-AC2B-25C471B20600}" type="datetimeFigureOut">
               <a:rPr lang="en-GB" smtClean="0"/>
-              <a:t>12/10/2020</a:t>
+              <a:t>19/10/2020</a:t>
             </a:fld>
             <a:endParaRPr lang="en-GB" dirty="0"/>
           </a:p>
@@ -9786,7 +9815,7 @@
           <a:p>
             <a:fld id="{BFEE84F8-2195-4EC4-AC2B-25C471B20600}" type="datetimeFigureOut">
               <a:rPr lang="en-GB" smtClean="0"/>
-              <a:t>12/10/2020</a:t>
+              <a:t>19/10/2020</a:t>
             </a:fld>
             <a:endParaRPr lang="en-GB" dirty="0"/>
           </a:p>
@@ -10806,7 +10835,7 @@
           <a:p>
             <a:fld id="{BFEE84F8-2195-4EC4-AC2B-25C471B20600}" type="datetimeFigureOut">
               <a:rPr lang="en-GB" smtClean="0"/>
-              <a:t>12/10/2020</a:t>
+              <a:t>19/10/2020</a:t>
             </a:fld>
             <a:endParaRPr lang="en-GB" dirty="0"/>
           </a:p>
@@ -11920,7 +11949,7 @@
           <a:p>
             <a:fld id="{BFEE84F8-2195-4EC4-AC2B-25C471B20600}" type="datetimeFigureOut">
               <a:rPr lang="en-GB" smtClean="0"/>
-              <a:t>12/10/2020</a:t>
+              <a:t>19/10/2020</a:t>
             </a:fld>
             <a:endParaRPr lang="en-GB" dirty="0"/>
           </a:p>
@@ -12930,7 +12959,7 @@
           <a:p>
             <a:fld id="{BFEE84F8-2195-4EC4-AC2B-25C471B20600}" type="datetimeFigureOut">
               <a:rPr lang="en-GB" smtClean="0"/>
-              <a:t>12/10/2020</a:t>
+              <a:t>19/10/2020</a:t>
             </a:fld>
             <a:endParaRPr lang="en-GB" dirty="0"/>
           </a:p>
@@ -16041,9 +16070,10 @@
           <a:lstStyle/>
           <a:p>
             <a:r>
-              <a:rPr lang="en-GB" dirty="0"/>
-              <a:t>Overview </a:t>
-            </a:r>
+              <a:rPr lang="en-GB"/>
+              <a:t>Accelerate-People</a:t>
+            </a:r>
+            <a:endParaRPr lang="en-GB" dirty="0"/>
           </a:p>
         </p:txBody>
       </p:sp>
@@ -21012,29 +21042,6 @@
 </file>
 
 <file path=customXml/item1.xml><?xml version="1.0" encoding="utf-8"?>
-<?mso-contentType ?>
-<FormTemplates xmlns="http://schemas.microsoft.com/sharepoint/v3/contenttype/forms">
-  <Display>DocumentLibraryForm</Display>
-  <Edit>DocumentLibraryForm</Edit>
-  <New>DocumentLibraryForm</New>
-</FormTemplates>
-</file>
-
-<file path=customXml/item2.xml><?xml version="1.0" encoding="utf-8"?>
-<p:properties xmlns:p="http://schemas.microsoft.com/office/2006/metadata/properties" xmlns:xsi="http://www.w3.org/2001/XMLSchema-instance" xmlns:pc="http://schemas.microsoft.com/office/infopath/2007/PartnerControls">
-  <documentManagement>
-    <SharedWithUsers xmlns="fa137710-531a-4647-a8a3-f7d3531ab7ad">
-      <UserInfo>
-        <DisplayName>Owen Davis</DisplayName>
-        <AccountId>19</AccountId>
-        <AccountType/>
-      </UserInfo>
-    </SharedWithUsers>
-  </documentManagement>
-</p:properties>
-</file>
-
-<file path=customXml/item3.xml><?xml version="1.0" encoding="utf-8"?>
 <ct:contentTypeSchema xmlns:ct="http://schemas.microsoft.com/office/2006/metadata/contentType" xmlns:ma="http://schemas.microsoft.com/office/2006/metadata/properties/metaAttributes" ct:_="" ma:_="" ma:contentTypeName="Document" ma:contentTypeID="0x010100D542303FD2E9BB41942BCDDC28CB82BB" ma:contentTypeVersion="12" ma:contentTypeDescription="Create a new document." ma:contentTypeScope="" ma:versionID="13fcff47f08c2b85c4bfd68ba528ee2e">
   <xsd:schema xmlns:xsd="http://www.w3.org/2001/XMLSchema" xmlns:xs="http://www.w3.org/2001/XMLSchema" xmlns:p="http://schemas.microsoft.com/office/2006/metadata/properties" xmlns:ns2="fa137710-531a-4647-a8a3-f7d3531ab7ad" xmlns:ns3="c2f02e9c-7c46-4e41-8c0e-18710762110c" targetNamespace="http://schemas.microsoft.com/office/2006/metadata/properties" ma:root="true" ma:fieldsID="fc82830cef56db9563786a7b9b834a56" ns2:_="" ns3:_="">
     <xsd:import namespace="fa137710-531a-4647-a8a3-f7d3531ab7ad"/>
@@ -21251,25 +21258,30 @@
 </ct:contentTypeSchema>
 </file>
 
-<file path=customXml/itemProps1.xml><?xml version="1.0" encoding="utf-8"?>
-<ds:datastoreItem xmlns:ds="http://schemas.openxmlformats.org/officeDocument/2006/customXml" ds:itemID="{3750FD2F-2107-487C-8222-B1F3CDCC1EF2}">
-  <ds:schemaRefs>
-    <ds:schemaRef ds:uri="http://schemas.microsoft.com/sharepoint/v3/contenttype/forms"/>
-  </ds:schemaRefs>
-</ds:datastoreItem>
+<file path=customXml/item2.xml><?xml version="1.0" encoding="utf-8"?>
+<p:properties xmlns:p="http://schemas.microsoft.com/office/2006/metadata/properties" xmlns:xsi="http://www.w3.org/2001/XMLSchema-instance" xmlns:pc="http://schemas.microsoft.com/office/infopath/2007/PartnerControls">
+  <documentManagement>
+    <SharedWithUsers xmlns="fa137710-531a-4647-a8a3-f7d3531ab7ad">
+      <UserInfo>
+        <DisplayName>Owen Davis</DisplayName>
+        <AccountId>19</AccountId>
+        <AccountType/>
+      </UserInfo>
+    </SharedWithUsers>
+  </documentManagement>
+</p:properties>
 </file>
 
-<file path=customXml/itemProps2.xml><?xml version="1.0" encoding="utf-8"?>
-<ds:datastoreItem xmlns:ds="http://schemas.openxmlformats.org/officeDocument/2006/customXml" ds:itemID="{0BD8F491-7F24-457E-B1C0-FBFAD2632ED3}">
-  <ds:schemaRefs>
-    <ds:schemaRef ds:uri="http://schemas.microsoft.com/office/2006/metadata/properties"/>
-    <ds:schemaRef ds:uri="http://schemas.microsoft.com/office/infopath/2007/PartnerControls"/>
-    <ds:schemaRef ds:uri="fa137710-531a-4647-a8a3-f7d3531ab7ad"/>
-  </ds:schemaRefs>
-</ds:datastoreItem>
+<file path=customXml/item3.xml><?xml version="1.0" encoding="utf-8"?>
+<?mso-contentType ?>
+<FormTemplates xmlns="http://schemas.microsoft.com/sharepoint/v3/contenttype/forms">
+  <Display>DocumentLibraryForm</Display>
+  <Edit>DocumentLibraryForm</Edit>
+  <New>DocumentLibraryForm</New>
+</FormTemplates>
 </file>
 
-<file path=customXml/itemProps3.xml><?xml version="1.0" encoding="utf-8"?>
+<file path=customXml/itemProps1.xml><?xml version="1.0" encoding="utf-8"?>
 <ds:datastoreItem xmlns:ds="http://schemas.openxmlformats.org/officeDocument/2006/customXml" ds:itemID="{F34C2F3D-820B-4FB4-8776-9794826E808C}">
   <ds:schemaRefs>
     <ds:schemaRef ds:uri="http://schemas.microsoft.com/office/2006/metadata/contentType"/>
@@ -21286,4 +21298,22 @@
     <ds:schemaRef ds:uri="http://schemas.microsoft.com/internal/obd"/>
   </ds:schemaRefs>
 </ds:datastoreItem>
+</file>
+
+<file path=customXml/itemProps2.xml><?xml version="1.0" encoding="utf-8"?>
+<ds:datastoreItem xmlns:ds="http://schemas.openxmlformats.org/officeDocument/2006/customXml" ds:itemID="{0BD8F491-7F24-457E-B1C0-FBFAD2632ED3}">
+  <ds:schemaRefs>
+    <ds:schemaRef ds:uri="http://schemas.microsoft.com/office/2006/metadata/properties"/>
+    <ds:schemaRef ds:uri="http://schemas.microsoft.com/office/infopath/2007/PartnerControls"/>
+    <ds:schemaRef ds:uri="fa137710-531a-4647-a8a3-f7d3531ab7ad"/>
+  </ds:schemaRefs>
+</ds:datastoreItem>
+</file>
+
+<file path=customXml/itemProps3.xml><?xml version="1.0" encoding="utf-8"?>
+<ds:datastoreItem xmlns:ds="http://schemas.openxmlformats.org/officeDocument/2006/customXml" ds:itemID="{3750FD2F-2107-487C-8222-B1F3CDCC1EF2}">
+  <ds:schemaRefs>
+    <ds:schemaRef ds:uri="http://schemas.microsoft.com/sharepoint/v3/contenttype/forms"/>
+  </ds:schemaRefs>
+</ds:datastoreItem>
 </file>